--- a/工作日報_葉柏漢/2021.12/2021.12.14(加班)_2021.12.15工作日報_葉柏漢.pptx
+++ b/工作日報_葉柏漢/2021.12/2021.12.14(加班)_2021.12.15工作日報_葉柏漢.pptx
@@ -113,7 +113,7 @@
   </p:defaultTextStyle>
   <p:extLst>
     <p:ext uri="{EFAFB233-063F-42B5-8137-9DF3F51BA10A}">
-      <p15:sldGuideLst xmlns:p15="http://schemas.microsoft.com/office/powerpoint/2012/main" xmlns="">
+      <p15:sldGuideLst xmlns="" xmlns:p15="http://schemas.microsoft.com/office/powerpoint/2012/main">
         <p15:guide id="1" orient="horz" pos="2160" userDrawn="1">
           <p15:clr>
             <a:srgbClr val="A4A3A4"/>
@@ -212,7 +212,7 @@
           <a:p>
             <a:fld id="{5F45278C-940B-4C39-9CBC-669F45D4F0E2}" type="datetimeFigureOut">
               <a:rPr lang="zh-CN" altLang="en-US" smtClean="0"/>
-              <a:t>2021/12/14</a:t>
+              <a:t>2021/12/15</a:t>
             </a:fld>
             <a:endParaRPr lang="zh-CN" altLang="en-US"/>
           </a:p>
@@ -693,7 +693,7 @@
           <a:p>
             <a:fld id="{D997B5FA-0921-464F-AAE1-844C04324D75}" type="datetimeFigureOut">
               <a:rPr lang="zh-CN" altLang="en-US" smtClean="0"/>
-              <a:t>2021/12/14</a:t>
+              <a:t>2021/12/15</a:t>
             </a:fld>
             <a:endParaRPr lang="zh-CN" altLang="en-US"/>
           </a:p>
@@ -873,7 +873,7 @@
           <a:p>
             <a:fld id="{D997B5FA-0921-464F-AAE1-844C04324D75}" type="datetimeFigureOut">
               <a:rPr lang="zh-CN" altLang="en-US" smtClean="0"/>
-              <a:t>2021/12/14</a:t>
+              <a:t>2021/12/15</a:t>
             </a:fld>
             <a:endParaRPr lang="zh-CN" altLang="en-US"/>
           </a:p>
@@ -1063,7 +1063,7 @@
           <a:p>
             <a:fld id="{D997B5FA-0921-464F-AAE1-844C04324D75}" type="datetimeFigureOut">
               <a:rPr lang="zh-CN" altLang="en-US" smtClean="0"/>
-              <a:t>2021/12/14</a:t>
+              <a:t>2021/12/15</a:t>
             </a:fld>
             <a:endParaRPr lang="zh-CN" altLang="en-US"/>
           </a:p>
@@ -1274,7 +1274,7 @@
                 </a:solidFill>
               </a:rPr>
               <a:pPr/>
-              <a:t>2021/12/14</a:t>
+              <a:t>2021/12/15</a:t>
             </a:fld>
             <a:endParaRPr lang="zh-CN" altLang="en-US">
               <a:solidFill>
@@ -1506,7 +1506,7 @@
                 </a:solidFill>
               </a:rPr>
               <a:pPr/>
-              <a:t>2021/12/14</a:t>
+              <a:t>2021/12/15</a:t>
             </a:fld>
             <a:endParaRPr lang="zh-CN" altLang="en-US">
               <a:solidFill>
@@ -1737,7 +1737,7 @@
           <a:p>
             <a:fld id="{D997B5FA-0921-464F-AAE1-844C04324D75}" type="datetimeFigureOut">
               <a:rPr lang="zh-CN" altLang="en-US" smtClean="0"/>
-              <a:t>2021/12/14</a:t>
+              <a:t>2021/12/15</a:t>
             </a:fld>
             <a:endParaRPr lang="zh-CN" altLang="en-US"/>
           </a:p>
@@ -1994,7 +1994,7 @@
           <a:p>
             <a:fld id="{D997B5FA-0921-464F-AAE1-844C04324D75}" type="datetimeFigureOut">
               <a:rPr lang="zh-CN" altLang="en-US" smtClean="0"/>
-              <a:t>2021/12/14</a:t>
+              <a:t>2021/12/15</a:t>
             </a:fld>
             <a:endParaRPr lang="zh-CN" altLang="en-US"/>
           </a:p>
@@ -2235,7 +2235,7 @@
           <a:p>
             <a:fld id="{D997B5FA-0921-464F-AAE1-844C04324D75}" type="datetimeFigureOut">
               <a:rPr lang="zh-CN" altLang="en-US" smtClean="0"/>
-              <a:t>2021/12/14</a:t>
+              <a:t>2021/12/15</a:t>
             </a:fld>
             <a:endParaRPr lang="zh-CN" altLang="en-US"/>
           </a:p>
@@ -2611,7 +2611,7 @@
           <a:p>
             <a:fld id="{D997B5FA-0921-464F-AAE1-844C04324D75}" type="datetimeFigureOut">
               <a:rPr lang="zh-CN" altLang="en-US" smtClean="0"/>
-              <a:t>2021/12/14</a:t>
+              <a:t>2021/12/15</a:t>
             </a:fld>
             <a:endParaRPr lang="zh-CN" altLang="en-US"/>
           </a:p>
@@ -2865,7 +2865,7 @@
           <a:p>
             <a:fld id="{D997B5FA-0921-464F-AAE1-844C04324D75}" type="datetimeFigureOut">
               <a:rPr lang="zh-CN" altLang="en-US" smtClean="0"/>
-              <a:t>2021/12/14</a:t>
+              <a:t>2021/12/15</a:t>
             </a:fld>
             <a:endParaRPr lang="zh-CN" altLang="en-US"/>
           </a:p>
@@ -2972,7 +2972,7 @@
           <a:p>
             <a:fld id="{D997B5FA-0921-464F-AAE1-844C04324D75}" type="datetimeFigureOut">
               <a:rPr lang="zh-CN" altLang="en-US" smtClean="0"/>
-              <a:t>2021/12/14</a:t>
+              <a:t>2021/12/15</a:t>
             </a:fld>
             <a:endParaRPr lang="zh-CN" altLang="en-US"/>
           </a:p>
@@ -3259,7 +3259,7 @@
           <a:p>
             <a:fld id="{D997B5FA-0921-464F-AAE1-844C04324D75}" type="datetimeFigureOut">
               <a:rPr lang="zh-CN" altLang="en-US" smtClean="0"/>
-              <a:t>2021/12/14</a:t>
+              <a:t>2021/12/15</a:t>
             </a:fld>
             <a:endParaRPr lang="zh-CN" altLang="en-US"/>
           </a:p>
@@ -3523,7 +3523,7 @@
           <a:p>
             <a:fld id="{D997B5FA-0921-464F-AAE1-844C04324D75}" type="datetimeFigureOut">
               <a:rPr lang="zh-CN" altLang="en-US" smtClean="0"/>
-              <a:t>2021/12/14</a:t>
+              <a:t>2021/12/15</a:t>
             </a:fld>
             <a:endParaRPr lang="zh-CN" altLang="en-US"/>
           </a:p>
@@ -3749,7 +3749,7 @@
           <a:p>
             <a:fld id="{D997B5FA-0921-464F-AAE1-844C04324D75}" type="datetimeFigureOut">
               <a:rPr lang="zh-CN" altLang="en-US" smtClean="0"/>
-              <a:t>2021/12/14</a:t>
+              <a:t>2021/12/15</a:t>
             </a:fld>
             <a:endParaRPr lang="zh-CN" altLang="en-US"/>
           </a:p>
@@ -4459,7 +4459,7 @@
           <p:cNvPr id="18" name="矩形: 圆角 17">
             <a:extLst>
               <a:ext uri="{FF2B5EF4-FFF2-40B4-BE49-F238E27FC236}">
-                <a16:creationId xmlns:a16="http://schemas.microsoft.com/office/drawing/2014/main" xmlns="" id="{822EAB1A-0613-4B84-B43A-020769A84C2F}"/>
+                <a16:creationId xmlns="" xmlns:a16="http://schemas.microsoft.com/office/drawing/2014/main" id="{822EAB1A-0613-4B84-B43A-020769A84C2F}"/>
               </a:ext>
             </a:extLst>
           </p:cNvPr>
@@ -4525,7 +4525,7 @@
           <p:cNvPr id="4" name="矩形: 圆角 3">
             <a:extLst>
               <a:ext uri="{FF2B5EF4-FFF2-40B4-BE49-F238E27FC236}">
-                <a16:creationId xmlns:a16="http://schemas.microsoft.com/office/drawing/2014/main" xmlns="" id="{CFAF4C25-9AB4-4329-B21C-0F7CB88F0784}"/>
+                <a16:creationId xmlns="" xmlns:a16="http://schemas.microsoft.com/office/drawing/2014/main" id="{CFAF4C25-9AB4-4329-B21C-0F7CB88F0784}"/>
               </a:ext>
             </a:extLst>
           </p:cNvPr>
@@ -4591,7 +4591,7 @@
           <p:cNvPr id="5" name="文本框 4">
             <a:extLst>
               <a:ext uri="{FF2B5EF4-FFF2-40B4-BE49-F238E27FC236}">
-                <a16:creationId xmlns:a16="http://schemas.microsoft.com/office/drawing/2014/main" xmlns="" id="{959F8909-6800-4D81-9559-FFAEB41A80C1}"/>
+                <a16:creationId xmlns="" xmlns:a16="http://schemas.microsoft.com/office/drawing/2014/main" id="{959F8909-6800-4D81-9559-FFAEB41A80C1}"/>
               </a:ext>
             </a:extLst>
           </p:cNvPr>
@@ -4669,7 +4669,7 @@
           <p:cNvPr id="6" name="文本框 5">
             <a:extLst>
               <a:ext uri="{FF2B5EF4-FFF2-40B4-BE49-F238E27FC236}">
-                <a16:creationId xmlns:a16="http://schemas.microsoft.com/office/drawing/2014/main" xmlns="" id="{F8829203-F363-4337-ACAC-0D2C4AE6A337}"/>
+                <a16:creationId xmlns="" xmlns:a16="http://schemas.microsoft.com/office/drawing/2014/main" id="{F8829203-F363-4337-ACAC-0D2C4AE6A337}"/>
               </a:ext>
             </a:extLst>
           </p:cNvPr>
@@ -4736,7 +4736,7 @@
           <p:cNvPr id="8" name="椭圆 7">
             <a:extLst>
               <a:ext uri="{FF2B5EF4-FFF2-40B4-BE49-F238E27FC236}">
-                <a16:creationId xmlns:a16="http://schemas.microsoft.com/office/drawing/2014/main" xmlns="" id="{08B93554-9443-4291-83BC-91BEC5088783}"/>
+                <a16:creationId xmlns="" xmlns:a16="http://schemas.microsoft.com/office/drawing/2014/main" id="{08B93554-9443-4291-83BC-91BEC5088783}"/>
               </a:ext>
             </a:extLst>
           </p:cNvPr>
@@ -4798,7 +4798,7 @@
           <p:cNvPr id="9" name="椭圆 8">
             <a:extLst>
               <a:ext uri="{FF2B5EF4-FFF2-40B4-BE49-F238E27FC236}">
-                <a16:creationId xmlns:a16="http://schemas.microsoft.com/office/drawing/2014/main" xmlns="" id="{16338DEE-2916-4AC7-A537-1507B9F2A824}"/>
+                <a16:creationId xmlns="" xmlns:a16="http://schemas.microsoft.com/office/drawing/2014/main" id="{16338DEE-2916-4AC7-A537-1507B9F2A824}"/>
               </a:ext>
             </a:extLst>
           </p:cNvPr>
@@ -4860,7 +4860,7 @@
           <p:cNvPr id="13" name="组合 12">
             <a:extLst>
               <a:ext uri="{FF2B5EF4-FFF2-40B4-BE49-F238E27FC236}">
-                <a16:creationId xmlns:a16="http://schemas.microsoft.com/office/drawing/2014/main" xmlns="" id="{C0EF9AE3-F1B9-443C-9F86-CDF322936010}"/>
+                <a16:creationId xmlns="" xmlns:a16="http://schemas.microsoft.com/office/drawing/2014/main" id="{C0EF9AE3-F1B9-443C-9F86-CDF322936010}"/>
               </a:ext>
             </a:extLst>
           </p:cNvPr>
@@ -4880,7 +4880,7 @@
             <p:cNvPr id="12" name="矩形: 圆角 11">
               <a:extLst>
                 <a:ext uri="{FF2B5EF4-FFF2-40B4-BE49-F238E27FC236}">
-                  <a16:creationId xmlns:a16="http://schemas.microsoft.com/office/drawing/2014/main" xmlns="" id="{4E9D624C-B884-49D6-955A-058878E5E13C}"/>
+                  <a16:creationId xmlns="" xmlns:a16="http://schemas.microsoft.com/office/drawing/2014/main" id="{4E9D624C-B884-49D6-955A-058878E5E13C}"/>
                 </a:ext>
               </a:extLst>
             </p:cNvPr>
@@ -4944,7 +4944,7 @@
             <p:cNvPr id="10" name="文本框 9">
               <a:extLst>
                 <a:ext uri="{FF2B5EF4-FFF2-40B4-BE49-F238E27FC236}">
-                  <a16:creationId xmlns:a16="http://schemas.microsoft.com/office/drawing/2014/main" xmlns="" id="{D7F488F0-218D-4123-B444-742EAD00AD0E}"/>
+                  <a16:creationId xmlns="" xmlns:a16="http://schemas.microsoft.com/office/drawing/2014/main" id="{D7F488F0-218D-4123-B444-742EAD00AD0E}"/>
                 </a:ext>
               </a:extLst>
             </p:cNvPr>
@@ -5002,7 +5002,7 @@
           <p:cNvPr id="16" name="组合 15">
             <a:extLst>
               <a:ext uri="{FF2B5EF4-FFF2-40B4-BE49-F238E27FC236}">
-                <a16:creationId xmlns:a16="http://schemas.microsoft.com/office/drawing/2014/main" xmlns="" id="{9653DEAF-0910-48E8-8375-9FC078E9D0D6}"/>
+                <a16:creationId xmlns="" xmlns:a16="http://schemas.microsoft.com/office/drawing/2014/main" id="{9653DEAF-0910-48E8-8375-9FC078E9D0D6}"/>
               </a:ext>
             </a:extLst>
           </p:cNvPr>
@@ -5022,7 +5022,7 @@
             <p:cNvPr id="15" name="矩形: 圆角 14">
               <a:extLst>
                 <a:ext uri="{FF2B5EF4-FFF2-40B4-BE49-F238E27FC236}">
-                  <a16:creationId xmlns:a16="http://schemas.microsoft.com/office/drawing/2014/main" xmlns="" id="{CC29E14A-0550-4BFF-99D2-A94938E4EB84}"/>
+                  <a16:creationId xmlns="" xmlns:a16="http://schemas.microsoft.com/office/drawing/2014/main" id="{CC29E14A-0550-4BFF-99D2-A94938E4EB84}"/>
                 </a:ext>
               </a:extLst>
             </p:cNvPr>
@@ -5086,7 +5086,7 @@
             <p:cNvPr id="11" name="文本框 10">
               <a:extLst>
                 <a:ext uri="{FF2B5EF4-FFF2-40B4-BE49-F238E27FC236}">
-                  <a16:creationId xmlns:a16="http://schemas.microsoft.com/office/drawing/2014/main" xmlns="" id="{333307C3-A861-42E7-A2DA-6BAC1BCA9E3C}"/>
+                  <a16:creationId xmlns="" xmlns:a16="http://schemas.microsoft.com/office/drawing/2014/main" id="{333307C3-A861-42E7-A2DA-6BAC1BCA9E3C}"/>
                 </a:ext>
               </a:extLst>
             </p:cNvPr>
@@ -5144,7 +5144,7 @@
           <p:cNvPr id="17" name="组合 15">
             <a:extLst>
               <a:ext uri="{FF2B5EF4-FFF2-40B4-BE49-F238E27FC236}">
-                <a16:creationId xmlns:a16="http://schemas.microsoft.com/office/drawing/2014/main" xmlns="" id="{9653DEAF-0910-48E8-8375-9FC078E9D0D6}"/>
+                <a16:creationId xmlns="" xmlns:a16="http://schemas.microsoft.com/office/drawing/2014/main" id="{9653DEAF-0910-48E8-8375-9FC078E9D0D6}"/>
               </a:ext>
             </a:extLst>
           </p:cNvPr>
@@ -5164,7 +5164,7 @@
             <p:cNvPr id="19" name="矩形: 圆角 14">
               <a:extLst>
                 <a:ext uri="{FF2B5EF4-FFF2-40B4-BE49-F238E27FC236}">
-                  <a16:creationId xmlns:a16="http://schemas.microsoft.com/office/drawing/2014/main" xmlns="" id="{CC29E14A-0550-4BFF-99D2-A94938E4EB84}"/>
+                  <a16:creationId xmlns="" xmlns:a16="http://schemas.microsoft.com/office/drawing/2014/main" id="{CC29E14A-0550-4BFF-99D2-A94938E4EB84}"/>
                 </a:ext>
               </a:extLst>
             </p:cNvPr>
@@ -5228,7 +5228,7 @@
             <p:cNvPr id="20" name="文本框 10">
               <a:extLst>
                 <a:ext uri="{FF2B5EF4-FFF2-40B4-BE49-F238E27FC236}">
-                  <a16:creationId xmlns:a16="http://schemas.microsoft.com/office/drawing/2014/main" xmlns="" id="{333307C3-A861-42E7-A2DA-6BAC1BCA9E3C}"/>
+                  <a16:creationId xmlns="" xmlns:a16="http://schemas.microsoft.com/office/drawing/2014/main" id="{333307C3-A861-42E7-A2DA-6BAC1BCA9E3C}"/>
                 </a:ext>
               </a:extLst>
             </p:cNvPr>
@@ -5292,14 +5292,7 @@
                   <a:cs typeface="+mn-ea"/>
                   <a:sym typeface="+mn-lt"/>
                 </a:rPr>
-                <a:t>13</a:t>
-              </a:r>
-              <a:r>
-                <a:rPr lang="en-US" altLang="zh-TW" sz="1400" dirty="0" smtClean="0">
-                  <a:cs typeface="+mn-ea"/>
-                  <a:sym typeface="+mn-lt"/>
-                </a:rPr>
-                <a:t>:30~17:30</a:t>
+                <a:t>13:30~17:30</a:t>
               </a:r>
               <a:endParaRPr lang="zh-CN" altLang="en-US" sz="1400" dirty="0">
                 <a:cs typeface="+mn-ea"/>
@@ -5328,7 +5321,7 @@
         <p:random/>
       </p:transition>
     </mc:Choice>
-    <mc:Fallback xmlns="" xmlns:a16="http://schemas.microsoft.com/office/drawing/2014/main">
+    <mc:Fallback xmlns:a16="http://schemas.microsoft.com/office/drawing/2014/main" xmlns="">
       <p:transition spd="slow" advTm="4078">
         <p:random/>
       </p:transition>
@@ -5785,7 +5778,7 @@
           <p:cNvPr id="7" name="组合 6">
             <a:extLst>
               <a:ext uri="{FF2B5EF4-FFF2-40B4-BE49-F238E27FC236}">
-                <a16:creationId xmlns:a16="http://schemas.microsoft.com/office/drawing/2014/main" xmlns="" id="{5016DF47-4C78-4917-983C-FFC43C3A22DB}"/>
+                <a16:creationId xmlns="" xmlns:a16="http://schemas.microsoft.com/office/drawing/2014/main" id="{5016DF47-4C78-4917-983C-FFC43C3A22DB}"/>
               </a:ext>
             </a:extLst>
           </p:cNvPr>
@@ -5805,7 +5798,7 @@
             <p:cNvPr id="4" name="文本框 3">
               <a:extLst>
                 <a:ext uri="{FF2B5EF4-FFF2-40B4-BE49-F238E27FC236}">
-                  <a16:creationId xmlns:a16="http://schemas.microsoft.com/office/drawing/2014/main" xmlns="" id="{09FE6907-8676-429A-9B5A-DC3FAFE110A8}"/>
+                  <a16:creationId xmlns="" xmlns:a16="http://schemas.microsoft.com/office/drawing/2014/main" id="{09FE6907-8676-429A-9B5A-DC3FAFE110A8}"/>
                 </a:ext>
               </a:extLst>
             </p:cNvPr>
@@ -5847,7 +5840,7 @@
             <p:cNvPr id="6" name="文本框 5">
               <a:extLst>
                 <a:ext uri="{FF2B5EF4-FFF2-40B4-BE49-F238E27FC236}">
-                  <a16:creationId xmlns:a16="http://schemas.microsoft.com/office/drawing/2014/main" xmlns="" id="{6123FD62-F930-464F-86A1-4D1030B58358}"/>
+                  <a16:creationId xmlns="" xmlns:a16="http://schemas.microsoft.com/office/drawing/2014/main" id="{6123FD62-F930-464F-86A1-4D1030B58358}"/>
                 </a:ext>
               </a:extLst>
             </p:cNvPr>
@@ -5904,7 +5897,7 @@
           <p:cNvPr id="8" name="文本框 7">
             <a:extLst>
               <a:ext uri="{FF2B5EF4-FFF2-40B4-BE49-F238E27FC236}">
-                <a16:creationId xmlns:a16="http://schemas.microsoft.com/office/drawing/2014/main" xmlns="" id="{61D68AC2-6217-4618-9FF2-2840E7AAD8C2}"/>
+                <a16:creationId xmlns="" xmlns:a16="http://schemas.microsoft.com/office/drawing/2014/main" id="{61D68AC2-6217-4618-9FF2-2840E7AAD8C2}"/>
               </a:ext>
             </a:extLst>
           </p:cNvPr>
@@ -5914,7 +5907,7 @@
         <p:spPr>
           <a:xfrm>
             <a:off x="213983" y="2681640"/>
-            <a:ext cx="6480116" cy="400110"/>
+            <a:ext cx="6480116" cy="1015663"/>
           </a:xfrm>
           <a:prstGeom prst="rect">
             <a:avLst/>
@@ -5958,6 +5951,29 @@
                 <a:sym typeface="+mn-lt"/>
               </a:rPr>
               <a:t>)</a:t>
+            </a:r>
+          </a:p>
+          <a:p>
+            <a:pPr marL="342900" indent="-342900">
+              <a:buFont typeface="Wingdings" panose="05000000000000000000" pitchFamily="2" charset="2"/>
+              <a:buChar char="l"/>
+            </a:pPr>
+            <a:endParaRPr lang="en-US" altLang="zh-TW" sz="2000" spc="400" dirty="0">
+              <a:cs typeface="+mn-ea"/>
+              <a:sym typeface="+mn-lt"/>
+            </a:endParaRPr>
+          </a:p>
+          <a:p>
+            <a:pPr marL="342900" indent="-342900">
+              <a:buFont typeface="Wingdings" panose="05000000000000000000" pitchFamily="2" charset="2"/>
+              <a:buChar char="l"/>
+            </a:pPr>
+            <a:r>
+              <a:rPr lang="zh-TW" altLang="en-US" sz="2000" spc="400" smtClean="0">
+                <a:cs typeface="+mn-ea"/>
+                <a:sym typeface="+mn-lt"/>
+              </a:rPr>
+              <a:t>修改系統許多細項</a:t>
             </a:r>
             <a:endParaRPr lang="en-US" altLang="zh-TW" sz="2000" spc="400" dirty="0">
               <a:cs typeface="+mn-ea"/>
@@ -6015,7 +6031,7 @@
         <p:random/>
       </p:transition>
     </mc:Choice>
-    <mc:Fallback xmlns="" xmlns:a16="http://schemas.microsoft.com/office/drawing/2014/main" xmlns:a14="http://schemas.microsoft.com/office/drawing/2010/main">
+    <mc:Fallback xmlns:a14="http://schemas.microsoft.com/office/drawing/2010/main" xmlns:a16="http://schemas.microsoft.com/office/drawing/2014/main" xmlns="">
       <p:transition spd="slow" advTm="4024">
         <p:random/>
       </p:transition>
@@ -6185,7 +6201,7 @@
           <p:cNvPr id="2" name="矩形 1">
             <a:extLst>
               <a:ext uri="{FF2B5EF4-FFF2-40B4-BE49-F238E27FC236}">
-                <a16:creationId xmlns="" xmlns:a16="http://schemas.microsoft.com/office/drawing/2014/main" id="{6130B33B-FCB5-4AFA-8175-BA08126D80E1}"/>
+                <a16:creationId xmlns:a16="http://schemas.microsoft.com/office/drawing/2014/main" xmlns="" id="{6130B33B-FCB5-4AFA-8175-BA08126D80E1}"/>
               </a:ext>
             </a:extLst>
           </p:cNvPr>
@@ -6243,7 +6259,7 @@
           <p:cNvPr id="3" name="组合 2">
             <a:extLst>
               <a:ext uri="{FF2B5EF4-FFF2-40B4-BE49-F238E27FC236}">
-                <a16:creationId xmlns="" xmlns:a16="http://schemas.microsoft.com/office/drawing/2014/main" id="{CF3B8F59-C87E-48F7-911B-3FCC3B1922F9}"/>
+                <a16:creationId xmlns:a16="http://schemas.microsoft.com/office/drawing/2014/main" xmlns="" id="{CF3B8F59-C87E-48F7-911B-3FCC3B1922F9}"/>
               </a:ext>
             </a:extLst>
           </p:cNvPr>
@@ -6263,7 +6279,7 @@
             <p:cNvPr id="4" name="文本框 3">
               <a:extLst>
                 <a:ext uri="{FF2B5EF4-FFF2-40B4-BE49-F238E27FC236}">
-                  <a16:creationId xmlns="" xmlns:a16="http://schemas.microsoft.com/office/drawing/2014/main" id="{F069F7C5-7C6B-4416-BA43-7E9FF2B95F70}"/>
+                  <a16:creationId xmlns:a16="http://schemas.microsoft.com/office/drawing/2014/main" xmlns="" id="{F069F7C5-7C6B-4416-BA43-7E9FF2B95F70}"/>
                 </a:ext>
               </a:extLst>
             </p:cNvPr>
@@ -6305,7 +6321,7 @@
             <p:cNvPr id="5" name="文本框 4">
               <a:extLst>
                 <a:ext uri="{FF2B5EF4-FFF2-40B4-BE49-F238E27FC236}">
-                  <a16:creationId xmlns="" xmlns:a16="http://schemas.microsoft.com/office/drawing/2014/main" id="{E7404F6D-3A40-4203-8F0A-6169C74FB4CA}"/>
+                  <a16:creationId xmlns:a16="http://schemas.microsoft.com/office/drawing/2014/main" xmlns="" id="{E7404F6D-3A40-4203-8F0A-6169C74FB4CA}"/>
                 </a:ext>
               </a:extLst>
             </p:cNvPr>
@@ -6424,7 +6440,7 @@
         <p:random/>
       </p:transition>
     </mc:Choice>
-    <mc:Fallback xmlns:a14="http://schemas.microsoft.com/office/drawing/2010/main" xmlns:a16="http://schemas.microsoft.com/office/drawing/2014/main" xmlns="">
+    <mc:Fallback xmlns="" xmlns:a16="http://schemas.microsoft.com/office/drawing/2014/main" xmlns:a14="http://schemas.microsoft.com/office/drawing/2010/main">
       <p:transition spd="slow" advTm="3414">
         <p:random/>
       </p:transition>
@@ -6594,7 +6610,7 @@
           <p:cNvPr id="18" name="矩形: 圆角 17">
             <a:extLst>
               <a:ext uri="{FF2B5EF4-FFF2-40B4-BE49-F238E27FC236}">
-                <a16:creationId xmlns:a16="http://schemas.microsoft.com/office/drawing/2014/main" xmlns="" id="{822EAB1A-0613-4B84-B43A-020769A84C2F}"/>
+                <a16:creationId xmlns="" xmlns:a16="http://schemas.microsoft.com/office/drawing/2014/main" id="{822EAB1A-0613-4B84-B43A-020769A84C2F}"/>
               </a:ext>
             </a:extLst>
           </p:cNvPr>
@@ -6685,7 +6701,7 @@
           <p:cNvPr id="4" name="矩形: 圆角 3">
             <a:extLst>
               <a:ext uri="{FF2B5EF4-FFF2-40B4-BE49-F238E27FC236}">
-                <a16:creationId xmlns:a16="http://schemas.microsoft.com/office/drawing/2014/main" xmlns="" id="{CFAF4C25-9AB4-4329-B21C-0F7CB88F0784}"/>
+                <a16:creationId xmlns="" xmlns:a16="http://schemas.microsoft.com/office/drawing/2014/main" id="{CFAF4C25-9AB4-4329-B21C-0F7CB88F0784}"/>
               </a:ext>
             </a:extLst>
           </p:cNvPr>
@@ -6776,7 +6792,7 @@
           <p:cNvPr id="7" name="文本框 6">
             <a:extLst>
               <a:ext uri="{FF2B5EF4-FFF2-40B4-BE49-F238E27FC236}">
-                <a16:creationId xmlns:a16="http://schemas.microsoft.com/office/drawing/2014/main" xmlns="" id="{D2947702-0219-4F74-958A-0A5A704ECCC4}"/>
+                <a16:creationId xmlns="" xmlns:a16="http://schemas.microsoft.com/office/drawing/2014/main" id="{D2947702-0219-4F74-958A-0A5A704ECCC4}"/>
               </a:ext>
             </a:extLst>
           </p:cNvPr>
@@ -6853,7 +6869,7 @@
           <p:cNvPr id="8" name="椭圆 7">
             <a:extLst>
               <a:ext uri="{FF2B5EF4-FFF2-40B4-BE49-F238E27FC236}">
-                <a16:creationId xmlns:a16="http://schemas.microsoft.com/office/drawing/2014/main" xmlns="" id="{08B93554-9443-4291-83BC-91BEC5088783}"/>
+                <a16:creationId xmlns="" xmlns:a16="http://schemas.microsoft.com/office/drawing/2014/main" id="{08B93554-9443-4291-83BC-91BEC5088783}"/>
               </a:ext>
             </a:extLst>
           </p:cNvPr>
@@ -6940,7 +6956,7 @@
           <p:cNvPr id="9" name="椭圆 8">
             <a:extLst>
               <a:ext uri="{FF2B5EF4-FFF2-40B4-BE49-F238E27FC236}">
-                <a16:creationId xmlns:a16="http://schemas.microsoft.com/office/drawing/2014/main" xmlns="" id="{16338DEE-2916-4AC7-A537-1507B9F2A824}"/>
+                <a16:creationId xmlns="" xmlns:a16="http://schemas.microsoft.com/office/drawing/2014/main" id="{16338DEE-2916-4AC7-A537-1507B9F2A824}"/>
               </a:ext>
             </a:extLst>
           </p:cNvPr>
@@ -7041,7 +7057,7 @@
         <p:random/>
       </p:transition>
     </mc:Choice>
-    <mc:Fallback xmlns="" xmlns:a16="http://schemas.microsoft.com/office/drawing/2014/main">
+    <mc:Fallback xmlns:a16="http://schemas.microsoft.com/office/drawing/2014/main" xmlns="">
       <p:transition spd="slow" advTm="3880">
         <p:random/>
       </p:transition>
@@ -7401,7 +7417,7 @@
   <a:extraClrSchemeLst/>
   <a:extLst>
     <a:ext uri="{05A4C25C-085E-4340-85A3-A5531E510DB2}">
-      <thm15:themeFamily xmlns:thm15="http://schemas.microsoft.com/office/thememl/2012/main" xmlns="" name="Office Theme" id="{62F939B6-93AF-4DB8-9C6B-D6C7DFDC589F}" vid="{4A3C46E8-61CC-4603-A589-7422A47A8E4A}"/>
+      <thm15:themeFamily xmlns="" xmlns:thm15="http://schemas.microsoft.com/office/thememl/2012/main" name="Office Theme" id="{62F939B6-93AF-4DB8-9C6B-D6C7DFDC589F}" vid="{4A3C46E8-61CC-4603-A589-7422A47A8E4A}"/>
     </a:ext>
   </a:extLst>
 </a:theme>
@@ -7947,7 +7963,7 @@
   <a:extraClrSchemeLst/>
   <a:extLst>
     <a:ext uri="{05A4C25C-085E-4340-85A3-A5531E510DB2}">
-      <thm15:themeFamily xmlns:thm15="http://schemas.microsoft.com/office/thememl/2012/main" xmlns="" name="Office Theme" id="{62F939B6-93AF-4DB8-9C6B-D6C7DFDC589F}" vid="{4A3C46E8-61CC-4603-A589-7422A47A8E4A}"/>
+      <thm15:themeFamily xmlns="" xmlns:thm15="http://schemas.microsoft.com/office/thememl/2012/main" name="Office Theme" id="{62F939B6-93AF-4DB8-9C6B-D6C7DFDC589F}" vid="{4A3C46E8-61CC-4603-A589-7422A47A8E4A}"/>
     </a:ext>
   </a:extLst>
 </a:theme>
